--- a/Resources/Proyecto Gestión de Operaciones de Inspección.pptx
+++ b/Resources/Proyecto Gestión de Operaciones de Inspección.pptx
@@ -8,12 +8,13 @@
     <p:sldId id="256" r:id="rId2"/>
     <p:sldId id="257" r:id="rId3"/>
     <p:sldId id="258" r:id="rId4"/>
-    <p:sldId id="259" r:id="rId5"/>
-    <p:sldId id="260" r:id="rId6"/>
-    <p:sldId id="261" r:id="rId7"/>
-    <p:sldId id="264" r:id="rId8"/>
-    <p:sldId id="262" r:id="rId9"/>
-    <p:sldId id="263" r:id="rId10"/>
+    <p:sldId id="265" r:id="rId5"/>
+    <p:sldId id="259" r:id="rId6"/>
+    <p:sldId id="260" r:id="rId7"/>
+    <p:sldId id="261" r:id="rId8"/>
+    <p:sldId id="264" r:id="rId9"/>
+    <p:sldId id="262" r:id="rId10"/>
+    <p:sldId id="263" r:id="rId11"/>
   </p:sldIdLst>
   <p:sldSz cx="12192000" cy="6858000"/>
   <p:notesSz cx="6858000" cy="9144000"/>
@@ -5435,6 +5436,222 @@
 </p:sld>
 </file>
 
+<file path=ppt/slides/slide10.xml><?xml version="1.0" encoding="utf-8"?>
+<p:sld xmlns:a="http://schemas.openxmlformats.org/drawingml/2006/main" xmlns:r="http://schemas.openxmlformats.org/officeDocument/2006/relationships" xmlns:p="http://schemas.openxmlformats.org/presentationml/2006/main">
+  <p:cSld>
+    <p:spTree>
+      <p:nvGrpSpPr>
+        <p:cNvPr id="1" name=""/>
+        <p:cNvGrpSpPr/>
+        <p:nvPr/>
+      </p:nvGrpSpPr>
+      <p:grpSpPr>
+        <a:xfrm>
+          <a:off x="0" y="0"/>
+          <a:ext cx="0" cy="0"/>
+          <a:chOff x="0" y="0"/>
+          <a:chExt cx="0" cy="0"/>
+        </a:xfrm>
+      </p:grpSpPr>
+      <p:sp>
+        <p:nvSpPr>
+          <p:cNvPr id="2" name="Título 1"/>
+          <p:cNvSpPr>
+            <a:spLocks noGrp="1"/>
+          </p:cNvSpPr>
+          <p:nvPr>
+            <p:ph type="title"/>
+          </p:nvPr>
+        </p:nvSpPr>
+        <p:spPr/>
+        <p:txBody>
+          <a:bodyPr/>
+          <a:lstStyle/>
+          <a:p>
+            <a:r>
+              <a:rPr lang="en-US" dirty="0" err="1" smtClean="0"/>
+              <a:t>Servicios</a:t>
+            </a:r>
+            <a:r>
+              <a:rPr lang="en-US" dirty="0" smtClean="0"/>
+              <a:t>:</a:t>
+            </a:r>
+            <a:endParaRPr lang="es-PE" dirty="0"/>
+          </a:p>
+        </p:txBody>
+      </p:sp>
+      <p:sp>
+        <p:nvSpPr>
+          <p:cNvPr id="3" name="Marcador de contenido 2"/>
+          <p:cNvSpPr>
+            <a:spLocks noGrp="1"/>
+          </p:cNvSpPr>
+          <p:nvPr>
+            <p:ph idx="1"/>
+          </p:nvPr>
+        </p:nvSpPr>
+        <p:spPr/>
+        <p:txBody>
+          <a:bodyPr/>
+          <a:lstStyle/>
+          <a:p>
+            <a:r>
+              <a:rPr lang="en-US" dirty="0"/>
+              <a:t>1- </a:t>
+            </a:r>
+            <a:r>
+              <a:rPr lang="en-US" dirty="0" err="1"/>
+              <a:t>Autenticarse</a:t>
+            </a:r>
+            <a:r>
+              <a:rPr lang="en-US" dirty="0"/>
+              <a:t> </a:t>
+            </a:r>
+          </a:p>
+          <a:p>
+            <a:r>
+              <a:rPr lang="en-US" dirty="0"/>
+              <a:t>2- </a:t>
+            </a:r>
+            <a:r>
+              <a:rPr lang="en-US" dirty="0" err="1"/>
+              <a:t>Listar</a:t>
+            </a:r>
+            <a:r>
+              <a:rPr lang="en-US" dirty="0"/>
+              <a:t> </a:t>
+            </a:r>
+            <a:r>
+              <a:rPr lang="en-US" dirty="0" err="1"/>
+              <a:t>Ordenes</a:t>
+            </a:r>
+            <a:r>
+              <a:rPr lang="en-US" dirty="0"/>
+              <a:t> </a:t>
+            </a:r>
+            <a:r>
+              <a:rPr lang="en-US" dirty="0" err="1"/>
+              <a:t>Por</a:t>
+            </a:r>
+            <a:r>
+              <a:rPr lang="en-US" dirty="0"/>
+              <a:t> Inspector   </a:t>
+            </a:r>
+          </a:p>
+          <a:p>
+            <a:pPr marL="0" indent="0">
+              <a:buNone/>
+            </a:pPr>
+            <a:r>
+              <a:rPr lang="en-US" dirty="0" smtClean="0"/>
+              <a:t>      http</a:t>
+            </a:r>
+            <a:r>
+              <a:rPr lang="en-US" dirty="0"/>
+              <a:t>://localhost:4567/api/Orden?idInspector=1</a:t>
+            </a:r>
+          </a:p>
+          <a:p>
+            <a:r>
+              <a:rPr lang="es-PE" dirty="0"/>
+              <a:t> 3- Obtener Detalle de la Orden ■</a:t>
+            </a:r>
+          </a:p>
+          <a:p>
+            <a:pPr marL="0" indent="0">
+              <a:buNone/>
+            </a:pPr>
+            <a:r>
+              <a:rPr lang="en-US" dirty="0" smtClean="0"/>
+              <a:t>       http</a:t>
+            </a:r>
+            <a:r>
+              <a:rPr lang="en-US" dirty="0"/>
+              <a:t>://localhost:4567/api/Orden?id=1</a:t>
+            </a:r>
+          </a:p>
+          <a:p>
+            <a:r>
+              <a:rPr lang="es-PE" dirty="0"/>
+              <a:t> 4- Listar Inspecciones Por Orden ■</a:t>
+            </a:r>
+          </a:p>
+          <a:p>
+            <a:pPr marL="0" indent="0">
+              <a:buNone/>
+            </a:pPr>
+            <a:r>
+              <a:rPr lang="en-US" dirty="0" smtClean="0"/>
+              <a:t>      http</a:t>
+            </a:r>
+            <a:r>
+              <a:rPr lang="en-US" dirty="0"/>
+              <a:t>://localhost:4567/api/Inspeccion?idOrder=1</a:t>
+            </a:r>
+          </a:p>
+          <a:p>
+            <a:r>
+              <a:rPr lang="en-US" dirty="0"/>
+              <a:t>5- </a:t>
+            </a:r>
+            <a:r>
+              <a:rPr lang="en-US" dirty="0" err="1"/>
+              <a:t>Agregar</a:t>
+            </a:r>
+            <a:r>
+              <a:rPr lang="en-US" dirty="0"/>
+              <a:t> </a:t>
+            </a:r>
+            <a:r>
+              <a:rPr lang="en-US" dirty="0" err="1"/>
+              <a:t>Lista</a:t>
+            </a:r>
+            <a:r>
+              <a:rPr lang="en-US" dirty="0"/>
+              <a:t> de </a:t>
+            </a:r>
+            <a:r>
+              <a:rPr lang="en-US" dirty="0" err="1"/>
+              <a:t>Inspeccion</a:t>
+            </a:r>
+            <a:r>
+              <a:rPr lang="en-US" dirty="0"/>
+              <a:t> Con </a:t>
+            </a:r>
+            <a:r>
+              <a:rPr lang="en-US" dirty="0" err="1"/>
+              <a:t>Fotos</a:t>
+            </a:r>
+            <a:r>
+              <a:rPr lang="en-US" dirty="0"/>
+              <a:t> ■</a:t>
+            </a:r>
+          </a:p>
+          <a:p>
+            <a:endParaRPr lang="es-PE" dirty="0"/>
+          </a:p>
+        </p:txBody>
+      </p:sp>
+    </p:spTree>
+    <p:extLst>
+      <p:ext uri="{BB962C8B-B14F-4D97-AF65-F5344CB8AC3E}">
+        <p14:creationId xmlns:p14="http://schemas.microsoft.com/office/powerpoint/2010/main" val="667626381"/>
+      </p:ext>
+    </p:extLst>
+  </p:cSld>
+  <p:clrMapOvr>
+    <a:masterClrMapping/>
+  </p:clrMapOvr>
+  <p:timing>
+    <p:tnLst>
+      <p:par>
+        <p:cTn id="1" dur="indefinite" restart="never" nodeType="tmRoot"/>
+      </p:par>
+    </p:tnLst>
+  </p:timing>
+</p:sld>
+</file>
+
 <file path=ppt/slides/slide2.xml><?xml version="1.0" encoding="utf-8"?>
 <p:sld xmlns:a="http://schemas.openxmlformats.org/drawingml/2006/main" xmlns:r="http://schemas.openxmlformats.org/officeDocument/2006/relationships" xmlns:p="http://schemas.openxmlformats.org/presentationml/2006/main">
   <p:cSld>
@@ -5713,7 +5930,15 @@
             </a:r>
             <a:r>
               <a:rPr lang="en-US" dirty="0" smtClean="0"/>
-              <a:t> inspectors y de la </a:t>
+              <a:t> </a:t>
+            </a:r>
+            <a:r>
+              <a:rPr lang="en-US" u="sng" dirty="0" err="1" smtClean="0"/>
+              <a:t>inspectores</a:t>
+            </a:r>
+            <a:r>
+              <a:rPr lang="en-US" dirty="0" smtClean="0"/>
+              <a:t> y de la </a:t>
             </a:r>
             <a:r>
               <a:rPr lang="en-US" dirty="0" err="1" smtClean="0"/>
@@ -5852,209 +6077,28 @@
             </a:r>
             <a:r>
               <a:rPr lang="en-US" dirty="0" smtClean="0"/>
-              <a:t> se </a:t>
-            </a:r>
-            <a:r>
-              <a:rPr lang="en-US" dirty="0" err="1" smtClean="0"/>
-              <a:t>llamara</a:t>
-            </a:r>
-            <a:r>
-              <a:rPr lang="en-US" dirty="0" smtClean="0"/>
               <a:t> </a:t>
             </a:r>
             <a:r>
-              <a:rPr lang="en-US"/>
+              <a:rPr lang="es-PE" dirty="0"/>
+              <a:t>s</a:t>
+            </a:r>
+            <a:r>
+              <a:rPr lang="es-PE" dirty="0" smtClean="0"/>
+              <a:t>e </a:t>
+            </a:r>
+            <a:r>
+              <a:rPr lang="es-PE" dirty="0"/>
+              <a:t>llamara </a:t>
+            </a:r>
+            <a:r>
+              <a:rPr lang="es-PE" i="1" dirty="0" err="1"/>
               <a:t>GestionInspect</a:t>
             </a:r>
             <a:r>
-              <a:rPr lang="en-US" dirty="0" smtClean="0"/>
-              <a:t> y </a:t>
-            </a:r>
-            <a:r>
-              <a:rPr lang="en-US" dirty="0" err="1" smtClean="0"/>
-              <a:t>servira</a:t>
-            </a:r>
-            <a:r>
-              <a:rPr lang="en-US" dirty="0" smtClean="0"/>
-              <a:t> para que </a:t>
-            </a:r>
-            <a:r>
-              <a:rPr lang="en-US" dirty="0" err="1" smtClean="0"/>
-              <a:t>los</a:t>
-            </a:r>
-            <a:r>
-              <a:rPr lang="en-US" dirty="0" smtClean="0"/>
-              <a:t> </a:t>
-            </a:r>
-            <a:r>
-              <a:rPr lang="en-US" dirty="0" err="1" smtClean="0"/>
-              <a:t>inpectores</a:t>
-            </a:r>
-            <a:r>
-              <a:rPr lang="en-US" dirty="0" smtClean="0"/>
-              <a:t> </a:t>
-            </a:r>
-            <a:r>
-              <a:rPr lang="en-US" dirty="0" err="1" smtClean="0"/>
-              <a:t>tenga</a:t>
-            </a:r>
-            <a:r>
-              <a:rPr lang="en-US" dirty="0" smtClean="0"/>
-              <a:t> </a:t>
-            </a:r>
-            <a:r>
-              <a:rPr lang="en-US" dirty="0" err="1" smtClean="0"/>
-              <a:t>sus</a:t>
-            </a:r>
-            <a:r>
-              <a:rPr lang="en-US" dirty="0" smtClean="0"/>
-              <a:t> ordines </a:t>
-            </a:r>
-            <a:r>
-              <a:rPr lang="en-US" dirty="0" err="1" smtClean="0"/>
-              <a:t>asignadas</a:t>
-            </a:r>
-            <a:r>
-              <a:rPr lang="en-US" dirty="0" smtClean="0"/>
-              <a:t> y </a:t>
-            </a:r>
-            <a:r>
-              <a:rPr lang="en-US" dirty="0" err="1" smtClean="0"/>
-              <a:t>pueda</a:t>
-            </a:r>
-            <a:r>
-              <a:rPr lang="en-US" dirty="0" smtClean="0"/>
-              <a:t> </a:t>
-            </a:r>
-            <a:r>
-              <a:rPr lang="en-US" dirty="0" err="1" smtClean="0"/>
-              <a:t>recopilar</a:t>
-            </a:r>
-            <a:r>
-              <a:rPr lang="en-US" dirty="0" smtClean="0"/>
-              <a:t> </a:t>
-            </a:r>
-            <a:r>
-              <a:rPr lang="en-US" dirty="0" err="1" smtClean="0"/>
-              <a:t>información</a:t>
-            </a:r>
-            <a:r>
-              <a:rPr lang="en-US" dirty="0" smtClean="0"/>
-              <a:t> de </a:t>
-            </a:r>
-            <a:r>
-              <a:rPr lang="en-US" dirty="0" err="1" smtClean="0"/>
-              <a:t>muestreo</a:t>
-            </a:r>
-            <a:r>
-              <a:rPr lang="en-US" dirty="0" smtClean="0"/>
-              <a:t> y </a:t>
-            </a:r>
-            <a:r>
-              <a:rPr lang="en-US" dirty="0" err="1" smtClean="0"/>
-              <a:t>mandarlo</a:t>
-            </a:r>
-            <a:r>
-              <a:rPr lang="en-US" dirty="0" smtClean="0"/>
-              <a:t> a </a:t>
-            </a:r>
-            <a:r>
-              <a:rPr lang="en-US" dirty="0" err="1" smtClean="0"/>
-              <a:t>una</a:t>
-            </a:r>
-            <a:r>
-              <a:rPr lang="en-US" dirty="0" smtClean="0"/>
-              <a:t> data center. </a:t>
-            </a:r>
-            <a:r>
-              <a:rPr lang="en-US" dirty="0" err="1" smtClean="0"/>
-              <a:t>Tambien</a:t>
-            </a:r>
-            <a:r>
-              <a:rPr lang="en-US" dirty="0" smtClean="0"/>
-              <a:t> el inspector </a:t>
-            </a:r>
-            <a:r>
-              <a:rPr lang="en-US" dirty="0" err="1" smtClean="0"/>
-              <a:t>podra</a:t>
-            </a:r>
-            <a:r>
-              <a:rPr lang="en-US" dirty="0" smtClean="0"/>
-              <a:t> </a:t>
-            </a:r>
-            <a:r>
-              <a:rPr lang="en-US" dirty="0" err="1" smtClean="0"/>
-              <a:t>dar</a:t>
-            </a:r>
-            <a:r>
-              <a:rPr lang="en-US" dirty="0" smtClean="0"/>
-              <a:t> </a:t>
-            </a:r>
-            <a:r>
-              <a:rPr lang="en-US" dirty="0" err="1" smtClean="0"/>
-              <a:t>seguimiento</a:t>
-            </a:r>
-            <a:r>
-              <a:rPr lang="en-US" dirty="0" smtClean="0"/>
-              <a:t> de las </a:t>
-            </a:r>
-            <a:r>
-              <a:rPr lang="en-US" dirty="0" err="1" smtClean="0"/>
-              <a:t>inspecciones</a:t>
-            </a:r>
-            <a:r>
-              <a:rPr lang="en-US" dirty="0" smtClean="0"/>
-              <a:t> </a:t>
-            </a:r>
-            <a:r>
-              <a:rPr lang="en-US" dirty="0" err="1" smtClean="0"/>
-              <a:t>mediante</a:t>
-            </a:r>
-            <a:r>
-              <a:rPr lang="en-US" dirty="0" smtClean="0"/>
-              <a:t> </a:t>
-            </a:r>
-            <a:r>
-              <a:rPr lang="en-US" dirty="0" err="1" smtClean="0"/>
-              <a:t>una</a:t>
-            </a:r>
-            <a:r>
-              <a:rPr lang="en-US" dirty="0" smtClean="0"/>
-              <a:t> </a:t>
-            </a:r>
-            <a:r>
-              <a:rPr lang="en-US" dirty="0" err="1" smtClean="0"/>
-              <a:t>mapa</a:t>
-            </a:r>
-            <a:r>
-              <a:rPr lang="en-US" dirty="0" smtClean="0"/>
-              <a:t> para saber las </a:t>
-            </a:r>
-            <a:r>
-              <a:rPr lang="en-US" dirty="0" err="1" smtClean="0"/>
-              <a:t>ubicaciones</a:t>
-            </a:r>
-            <a:r>
-              <a:rPr lang="en-US" dirty="0" smtClean="0"/>
-              <a:t> y </a:t>
-            </a:r>
-            <a:r>
-              <a:rPr lang="en-US" dirty="0" err="1" smtClean="0"/>
-              <a:t>estado</a:t>
-            </a:r>
-            <a:r>
-              <a:rPr lang="en-US" dirty="0" smtClean="0"/>
-              <a:t> actual de las </a:t>
-            </a:r>
-            <a:r>
-              <a:rPr lang="en-US" dirty="0" err="1" smtClean="0"/>
-              <a:t>mismas</a:t>
-            </a:r>
-            <a:r>
-              <a:rPr lang="en-US" dirty="0" smtClean="0"/>
-              <a:t>.</a:t>
-            </a:r>
-            <a:endParaRPr lang="es-PE" dirty="0"/>
+              <a:rPr lang="es-PE" dirty="0"/>
+              <a:t> y servirá para que los inspectores tenga sus ordines asignadas y pueda recopilar información de muestreo y mandarlo a una data center. También el inspector podrá dar seguimiento de las inspecciones mediante un mapa para saber las ubicaciones y estado actual de las mismas.</a:t>
+            </a:r>
           </a:p>
         </p:txBody>
       </p:sp>
@@ -6079,6 +6123,99 @@
 </file>
 
 <file path=ppt/slides/slide4.xml><?xml version="1.0" encoding="utf-8"?>
+<p:sld xmlns:a="http://schemas.openxmlformats.org/drawingml/2006/main" xmlns:r="http://schemas.openxmlformats.org/officeDocument/2006/relationships" xmlns:p="http://schemas.openxmlformats.org/presentationml/2006/main">
+  <p:cSld>
+    <p:spTree>
+      <p:nvGrpSpPr>
+        <p:cNvPr id="1" name=""/>
+        <p:cNvGrpSpPr/>
+        <p:nvPr/>
+      </p:nvGrpSpPr>
+      <p:grpSpPr>
+        <a:xfrm>
+          <a:off x="0" y="0"/>
+          <a:ext cx="0" cy="0"/>
+          <a:chOff x="0" y="0"/>
+          <a:chExt cx="0" cy="0"/>
+        </a:xfrm>
+      </p:grpSpPr>
+      <p:sp>
+        <p:nvSpPr>
+          <p:cNvPr id="2" name="Título 1"/>
+          <p:cNvSpPr>
+            <a:spLocks noGrp="1"/>
+          </p:cNvSpPr>
+          <p:nvPr>
+            <p:ph type="title"/>
+          </p:nvPr>
+        </p:nvSpPr>
+        <p:spPr/>
+        <p:txBody>
+          <a:bodyPr/>
+          <a:lstStyle/>
+          <a:p>
+            <a:r>
+              <a:rPr lang="en-US" dirty="0" smtClean="0"/>
+              <a:t>User Stories</a:t>
+            </a:r>
+            <a:endParaRPr lang="es-PE" dirty="0"/>
+          </a:p>
+        </p:txBody>
+      </p:sp>
+      <p:pic>
+        <p:nvPicPr>
+          <p:cNvPr id="4" name="Marcador de contenido 3"/>
+          <p:cNvPicPr>
+            <a:picLocks noGrp="1"/>
+          </p:cNvPicPr>
+          <p:nvPr>
+            <p:ph idx="1"/>
+          </p:nvPr>
+        </p:nvPicPr>
+        <p:blipFill rotWithShape="1">
+          <a:blip r:embed="rId2"/>
+          <a:srcRect l="5116" t="12237" r="-353" b="-314"/>
+          <a:stretch/>
+        </p:blipFill>
+        <p:spPr bwMode="auto">
+          <a:xfrm>
+            <a:off x="810000" y="1732548"/>
+            <a:ext cx="10571998" cy="4969042"/>
+          </a:xfrm>
+          <a:prstGeom prst="rect">
+            <a:avLst/>
+          </a:prstGeom>
+          <a:ln>
+            <a:noFill/>
+          </a:ln>
+          <a:extLst>
+            <a:ext uri="{53640926-AAD7-44D8-BBD7-CCE9431645EC}">
+              <a14:shadowObscured xmlns:a14="http://schemas.microsoft.com/office/drawing/2010/main"/>
+            </a:ext>
+          </a:extLst>
+        </p:spPr>
+      </p:pic>
+    </p:spTree>
+    <p:extLst>
+      <p:ext uri="{BB962C8B-B14F-4D97-AF65-F5344CB8AC3E}">
+        <p14:creationId xmlns:p14="http://schemas.microsoft.com/office/powerpoint/2010/main" val="1763390071"/>
+      </p:ext>
+    </p:extLst>
+  </p:cSld>
+  <p:clrMapOvr>
+    <a:masterClrMapping/>
+  </p:clrMapOvr>
+  <p:timing>
+    <p:tnLst>
+      <p:par>
+        <p:cTn id="1" dur="indefinite" restart="never" nodeType="tmRoot"/>
+      </p:par>
+    </p:tnLst>
+  </p:timing>
+</p:sld>
+</file>
+
+<file path=ppt/slides/slide5.xml><?xml version="1.0" encoding="utf-8"?>
 <p:sld xmlns:a="http://schemas.openxmlformats.org/drawingml/2006/main" xmlns:r="http://schemas.openxmlformats.org/officeDocument/2006/relationships" xmlns:p="http://schemas.openxmlformats.org/presentationml/2006/main">
   <p:cSld>
     <p:spTree>
@@ -6186,7 +6323,7 @@
 </p:sld>
 </file>
 
-<file path=ppt/slides/slide5.xml><?xml version="1.0" encoding="utf-8"?>
+<file path=ppt/slides/slide6.xml><?xml version="1.0" encoding="utf-8"?>
 <p:sld xmlns:a="http://schemas.openxmlformats.org/drawingml/2006/main" xmlns:r="http://schemas.openxmlformats.org/officeDocument/2006/relationships" xmlns:p="http://schemas.openxmlformats.org/presentationml/2006/main">
   <p:cSld>
     <p:spTree>
@@ -6271,7 +6408,7 @@
 </p:sld>
 </file>
 
-<file path=ppt/slides/slide6.xml><?xml version="1.0" encoding="utf-8"?>
+<file path=ppt/slides/slide7.xml><?xml version="1.0" encoding="utf-8"?>
 <p:sld xmlns:a="http://schemas.openxmlformats.org/drawingml/2006/main" xmlns:r="http://schemas.openxmlformats.org/officeDocument/2006/relationships" xmlns:p="http://schemas.openxmlformats.org/presentationml/2006/main">
   <p:cSld>
     <p:spTree>
@@ -6334,129 +6471,6 @@
 </p:sld>
 </file>
 
-<file path=ppt/slides/slide7.xml><?xml version="1.0" encoding="utf-8"?>
-<p:sld xmlns:a="http://schemas.openxmlformats.org/drawingml/2006/main" xmlns:r="http://schemas.openxmlformats.org/officeDocument/2006/relationships" xmlns:p="http://schemas.openxmlformats.org/presentationml/2006/main">
-  <p:cSld>
-    <p:spTree>
-      <p:nvGrpSpPr>
-        <p:cNvPr id="1" name=""/>
-        <p:cNvGrpSpPr/>
-        <p:nvPr/>
-      </p:nvGrpSpPr>
-      <p:grpSpPr>
-        <a:xfrm>
-          <a:off x="0" y="0"/>
-          <a:ext cx="0" cy="0"/>
-          <a:chOff x="0" y="0"/>
-          <a:chExt cx="0" cy="0"/>
-        </a:xfrm>
-      </p:grpSpPr>
-      <p:sp>
-        <p:nvSpPr>
-          <p:cNvPr id="2" name="Título 1"/>
-          <p:cNvSpPr>
-            <a:spLocks noGrp="1"/>
-          </p:cNvSpPr>
-          <p:nvPr>
-            <p:ph type="title"/>
-          </p:nvPr>
-        </p:nvSpPr>
-        <p:spPr/>
-        <p:txBody>
-          <a:bodyPr/>
-          <a:lstStyle/>
-          <a:p>
-            <a:r>
-              <a:rPr lang="en-US" dirty="0" err="1" smtClean="0"/>
-              <a:t>Tecnologías</a:t>
-            </a:r>
-            <a:r>
-              <a:rPr lang="en-US" dirty="0" smtClean="0"/>
-              <a:t> y </a:t>
-            </a:r>
-            <a:r>
-              <a:rPr lang="en-US" dirty="0" err="1" smtClean="0"/>
-              <a:t>Herramientas</a:t>
-            </a:r>
-            <a:endParaRPr lang="es-PE" dirty="0"/>
-          </a:p>
-        </p:txBody>
-      </p:sp>
-      <p:sp>
-        <p:nvSpPr>
-          <p:cNvPr id="3" name="Marcador de contenido 2"/>
-          <p:cNvSpPr>
-            <a:spLocks noGrp="1"/>
-          </p:cNvSpPr>
-          <p:nvPr>
-            <p:ph idx="1"/>
-          </p:nvPr>
-        </p:nvSpPr>
-        <p:spPr/>
-        <p:txBody>
-          <a:bodyPr/>
-          <a:lstStyle/>
-          <a:p>
-            <a:r>
-              <a:rPr lang="en-US" dirty="0" smtClean="0"/>
-              <a:t>Frontend: Android Studio, Java JDK 1.8</a:t>
-            </a:r>
-          </a:p>
-          <a:p>
-            <a:r>
-              <a:rPr lang="en-US" dirty="0" smtClean="0"/>
-              <a:t>Backend: Web </a:t>
-            </a:r>
-            <a:r>
-              <a:rPr lang="en-US" dirty="0" err="1" smtClean="0"/>
-              <a:t>Api</a:t>
-            </a:r>
-            <a:r>
-              <a:rPr lang="en-US" dirty="0" smtClean="0"/>
-              <a:t> 2 </a:t>
-            </a:r>
-            <a:r>
-              <a:rPr lang="en-US" dirty="0" err="1" smtClean="0"/>
-              <a:t>.Net</a:t>
-            </a:r>
-            <a:r>
-              <a:rPr lang="en-US" dirty="0" smtClean="0"/>
-              <a:t>, C#, </a:t>
-            </a:r>
-            <a:r>
-              <a:rPr lang="en-US" dirty="0" err="1" smtClean="0"/>
-              <a:t>MySql</a:t>
-            </a:r>
-            <a:endParaRPr lang="en-US" dirty="0" smtClean="0"/>
-          </a:p>
-          <a:p>
-            <a:endParaRPr lang="en-US" dirty="0" smtClean="0"/>
-          </a:p>
-          <a:p>
-            <a:endParaRPr lang="es-PE" dirty="0"/>
-          </a:p>
-        </p:txBody>
-      </p:sp>
-    </p:spTree>
-    <p:extLst>
-      <p:ext uri="{BB962C8B-B14F-4D97-AF65-F5344CB8AC3E}">
-        <p14:creationId xmlns:p14="http://schemas.microsoft.com/office/powerpoint/2010/main" val="3979557"/>
-      </p:ext>
-    </p:extLst>
-  </p:cSld>
-  <p:clrMapOvr>
-    <a:masterClrMapping/>
-  </p:clrMapOvr>
-  <p:timing>
-    <p:tnLst>
-      <p:par>
-        <p:cTn id="1" dur="indefinite" restart="never" nodeType="tmRoot"/>
-      </p:par>
-    </p:tnLst>
-  </p:timing>
-</p:sld>
-</file>
-
 <file path=ppt/slides/slide8.xml><?xml version="1.0" encoding="utf-8"?>
 <p:sld xmlns:a="http://schemas.openxmlformats.org/drawingml/2006/main" xmlns:r="http://schemas.openxmlformats.org/officeDocument/2006/relationships" xmlns:p="http://schemas.openxmlformats.org/presentationml/2006/main">
   <p:cSld>
@@ -6491,49 +6505,82 @@
           <a:p>
             <a:r>
               <a:rPr lang="en-US" dirty="0" err="1" smtClean="0"/>
-              <a:t>Esquema</a:t>
+              <a:t>Tecnologías</a:t>
             </a:r>
             <a:r>
               <a:rPr lang="en-US" dirty="0" smtClean="0"/>
-              <a:t> de BD</a:t>
+              <a:t> y </a:t>
+            </a:r>
+            <a:r>
+              <a:rPr lang="en-US" dirty="0" err="1" smtClean="0"/>
+              <a:t>Herramientas</a:t>
             </a:r>
             <a:endParaRPr lang="es-PE" dirty="0"/>
           </a:p>
         </p:txBody>
       </p:sp>
-      <p:pic>
-        <p:nvPicPr>
-          <p:cNvPr id="4" name="Marcador de contenido 3"/>
-          <p:cNvPicPr>
-            <a:picLocks noGrp="1" noChangeAspect="1"/>
-          </p:cNvPicPr>
+      <p:sp>
+        <p:nvSpPr>
+          <p:cNvPr id="3" name="Marcador de contenido 2"/>
+          <p:cNvSpPr>
+            <a:spLocks noGrp="1"/>
+          </p:cNvSpPr>
           <p:nvPr>
             <p:ph idx="1"/>
           </p:nvPr>
-        </p:nvPicPr>
-        <p:blipFill>
-          <a:blip r:embed="rId2">
-            <a:extLst>
-              <a:ext uri="{28A0092B-C50C-407E-A947-70E740481C1C}">
-                <a14:useLocalDpi xmlns:a14="http://schemas.microsoft.com/office/drawing/2010/main" val="0"/>
-              </a:ext>
-            </a:extLst>
-          </a:blip>
-          <a:stretch>
-            <a:fillRect/>
-          </a:stretch>
-        </p:blipFill>
-        <p:spPr>
-          <a:xfrm>
-            <a:off x="1925053" y="2141621"/>
-            <a:ext cx="7904747" cy="4415589"/>
-          </a:xfrm>
-        </p:spPr>
-      </p:pic>
+        </p:nvSpPr>
+        <p:spPr/>
+        <p:txBody>
+          <a:bodyPr/>
+          <a:lstStyle/>
+          <a:p>
+            <a:r>
+              <a:rPr lang="en-US" dirty="0" smtClean="0"/>
+              <a:t>Frontend: Android Studio, Java JDK 1.8</a:t>
+            </a:r>
+          </a:p>
+          <a:p>
+            <a:r>
+              <a:rPr lang="en-US" dirty="0" smtClean="0"/>
+              <a:t>Backend: Web </a:t>
+            </a:r>
+            <a:r>
+              <a:rPr lang="en-US" dirty="0" err="1" smtClean="0"/>
+              <a:t>Api</a:t>
+            </a:r>
+            <a:r>
+              <a:rPr lang="en-US" dirty="0" smtClean="0"/>
+              <a:t> 2 </a:t>
+            </a:r>
+            <a:r>
+              <a:rPr lang="en-US" dirty="0" err="1" smtClean="0"/>
+              <a:t>.Net</a:t>
+            </a:r>
+            <a:r>
+              <a:rPr lang="en-US" dirty="0" smtClean="0"/>
+              <a:t>, C#, </a:t>
+            </a:r>
+            <a:r>
+              <a:rPr lang="en-US" dirty="0" err="1" smtClean="0"/>
+              <a:t>MySql</a:t>
+            </a:r>
+            <a:r>
+              <a:rPr lang="en-US" dirty="0" smtClean="0"/>
+              <a:t>, IIS 7</a:t>
+            </a:r>
+          </a:p>
+          <a:p>
+            <a:endParaRPr lang="en-US" dirty="0" smtClean="0"/>
+          </a:p>
+          <a:p>
+            <a:endParaRPr lang="es-PE" dirty="0"/>
+          </a:p>
+        </p:txBody>
+      </p:sp>
     </p:spTree>
     <p:extLst>
       <p:ext uri="{BB962C8B-B14F-4D97-AF65-F5344CB8AC3E}">
-        <p14:creationId xmlns:p14="http://schemas.microsoft.com/office/powerpoint/2010/main" val="3539628452"/>
+        <p14:creationId xmlns:p14="http://schemas.microsoft.com/office/powerpoint/2010/main" val="3979557"/>
       </p:ext>
     </p:extLst>
   </p:cSld>
@@ -6584,172 +6631,49 @@
           <a:p>
             <a:r>
               <a:rPr lang="en-US" dirty="0" err="1" smtClean="0"/>
-              <a:t>Servicios</a:t>
+              <a:t>Esquema</a:t>
             </a:r>
             <a:r>
               <a:rPr lang="en-US" dirty="0" smtClean="0"/>
-              <a:t>:</a:t>
+              <a:t> de BD</a:t>
             </a:r>
             <a:endParaRPr lang="es-PE" dirty="0"/>
           </a:p>
         </p:txBody>
       </p:sp>
-      <p:sp>
-        <p:nvSpPr>
-          <p:cNvPr id="3" name="Marcador de contenido 2"/>
-          <p:cNvSpPr>
-            <a:spLocks noGrp="1"/>
-          </p:cNvSpPr>
+      <p:pic>
+        <p:nvPicPr>
+          <p:cNvPr id="4" name="Marcador de contenido 3"/>
+          <p:cNvPicPr>
+            <a:picLocks noGrp="1" noChangeAspect="1"/>
+          </p:cNvPicPr>
           <p:nvPr>
             <p:ph idx="1"/>
           </p:nvPr>
-        </p:nvSpPr>
-        <p:spPr/>
-        <p:txBody>
-          <a:bodyPr/>
-          <a:lstStyle/>
-          <a:p>
-            <a:r>
-              <a:rPr lang="en-US" dirty="0"/>
-              <a:t>1- </a:t>
-            </a:r>
-            <a:r>
-              <a:rPr lang="en-US" dirty="0" err="1"/>
-              <a:t>Autenticarse</a:t>
-            </a:r>
-            <a:r>
-              <a:rPr lang="en-US" dirty="0"/>
-              <a:t> </a:t>
-            </a:r>
-          </a:p>
-          <a:p>
-            <a:r>
-              <a:rPr lang="en-US" dirty="0"/>
-              <a:t>2- </a:t>
-            </a:r>
-            <a:r>
-              <a:rPr lang="en-US" dirty="0" err="1"/>
-              <a:t>Listar</a:t>
-            </a:r>
-            <a:r>
-              <a:rPr lang="en-US" dirty="0"/>
-              <a:t> </a:t>
-            </a:r>
-            <a:r>
-              <a:rPr lang="en-US" dirty="0" err="1"/>
-              <a:t>Ordenes</a:t>
-            </a:r>
-            <a:r>
-              <a:rPr lang="en-US" dirty="0"/>
-              <a:t> </a:t>
-            </a:r>
-            <a:r>
-              <a:rPr lang="en-US" dirty="0" err="1"/>
-              <a:t>Por</a:t>
-            </a:r>
-            <a:r>
-              <a:rPr lang="en-US" dirty="0"/>
-              <a:t> Inspector   </a:t>
-            </a:r>
-          </a:p>
-          <a:p>
-            <a:pPr marL="0" indent="0">
-              <a:buNone/>
-            </a:pPr>
-            <a:r>
-              <a:rPr lang="en-US" dirty="0" smtClean="0"/>
-              <a:t>      http</a:t>
-            </a:r>
-            <a:r>
-              <a:rPr lang="en-US" dirty="0"/>
-              <a:t>://localhost:4567/api/Orden?idInspector=1</a:t>
-            </a:r>
-          </a:p>
-          <a:p>
-            <a:r>
-              <a:rPr lang="es-PE" dirty="0"/>
-              <a:t> 3- Obtener Detalle de la Orden ■</a:t>
-            </a:r>
-          </a:p>
-          <a:p>
-            <a:pPr marL="0" indent="0">
-              <a:buNone/>
-            </a:pPr>
-            <a:r>
-              <a:rPr lang="en-US" dirty="0" smtClean="0"/>
-              <a:t>       http</a:t>
-            </a:r>
-            <a:r>
-              <a:rPr lang="en-US" dirty="0"/>
-              <a:t>://localhost:4567/api/Orden?id=1</a:t>
-            </a:r>
-          </a:p>
-          <a:p>
-            <a:r>
-              <a:rPr lang="es-PE" dirty="0"/>
-              <a:t> 4- Listar Inspecciones Por Orden ■</a:t>
-            </a:r>
-          </a:p>
-          <a:p>
-            <a:pPr marL="0" indent="0">
-              <a:buNone/>
-            </a:pPr>
-            <a:r>
-              <a:rPr lang="en-US" dirty="0" smtClean="0"/>
-              <a:t>      http</a:t>
-            </a:r>
-            <a:r>
-              <a:rPr lang="en-US" dirty="0"/>
-              <a:t>://localhost:4567/api/Inspeccion?idOrder=1</a:t>
-            </a:r>
-          </a:p>
-          <a:p>
-            <a:r>
-              <a:rPr lang="en-US" dirty="0"/>
-              <a:t>5- </a:t>
-            </a:r>
-            <a:r>
-              <a:rPr lang="en-US" dirty="0" err="1"/>
-              <a:t>Agregar</a:t>
-            </a:r>
-            <a:r>
-              <a:rPr lang="en-US" dirty="0"/>
-              <a:t> </a:t>
-            </a:r>
-            <a:r>
-              <a:rPr lang="en-US" dirty="0" err="1"/>
-              <a:t>Lista</a:t>
-            </a:r>
-            <a:r>
-              <a:rPr lang="en-US" dirty="0"/>
-              <a:t> de </a:t>
-            </a:r>
-            <a:r>
-              <a:rPr lang="en-US" dirty="0" err="1"/>
-              <a:t>Inspeccion</a:t>
-            </a:r>
-            <a:r>
-              <a:rPr lang="en-US" dirty="0"/>
-              <a:t> Con </a:t>
-            </a:r>
-            <a:r>
-              <a:rPr lang="en-US" dirty="0" err="1"/>
-              <a:t>Fotos</a:t>
-            </a:r>
-            <a:r>
-              <a:rPr lang="en-US" dirty="0"/>
-              <a:t> ■</a:t>
-            </a:r>
-          </a:p>
-          <a:p>
-            <a:endParaRPr lang="es-PE" dirty="0"/>
-          </a:p>
-        </p:txBody>
-      </p:sp>
+        </p:nvPicPr>
+        <p:blipFill>
+          <a:blip r:embed="rId2">
+            <a:extLst>
+              <a:ext uri="{28A0092B-C50C-407E-A947-70E740481C1C}">
+                <a14:useLocalDpi xmlns:a14="http://schemas.microsoft.com/office/drawing/2010/main" val="0"/>
+              </a:ext>
+            </a:extLst>
+          </a:blip>
+          <a:stretch>
+            <a:fillRect/>
+          </a:stretch>
+        </p:blipFill>
+        <p:spPr>
+          <a:xfrm>
+            <a:off x="1925053" y="2141621"/>
+            <a:ext cx="7904747" cy="4415589"/>
+          </a:xfrm>
+        </p:spPr>
+      </p:pic>
     </p:spTree>
     <p:extLst>
       <p:ext uri="{BB962C8B-B14F-4D97-AF65-F5344CB8AC3E}">
-        <p14:creationId xmlns:p14="http://schemas.microsoft.com/office/powerpoint/2010/main" val="667626381"/>
+        <p14:creationId xmlns:p14="http://schemas.microsoft.com/office/powerpoint/2010/main" val="3539628452"/>
       </p:ext>
     </p:extLst>
   </p:cSld>
